--- a/FerramentaConfluence.pptx
+++ b/FerramentaConfluence.pptx
@@ -220,7 +220,7 @@
           <p:cNvPr id="2" name="Espaço Reservado para Cabeçalho 1">
             <a:extLst>
               <a:ext uri="{FF2B5EF4-FFF2-40B4-BE49-F238E27FC236}">
-                <a16:creationId xmlns:a16="http://schemas.microsoft.com/office/drawing/2014/main" xmlns="" id="{7103D425-647C-4379-A03D-C81E1588C2D7}"/>
+                <a16:creationId xmlns:a16="http://schemas.microsoft.com/office/drawing/2014/main" id="{7103D425-647C-4379-A03D-C81E1588C2D7}"/>
               </a:ext>
             </a:extLst>
           </p:cNvPr>
@@ -268,7 +268,7 @@
           <p:cNvPr id="3" name="Espaço Reservado para Data 2">
             <a:extLst>
               <a:ext uri="{FF2B5EF4-FFF2-40B4-BE49-F238E27FC236}">
-                <a16:creationId xmlns:a16="http://schemas.microsoft.com/office/drawing/2014/main" xmlns="" id="{87BE37C3-6C6D-419E-A752-6F6359EF5BD4}"/>
+                <a16:creationId xmlns:a16="http://schemas.microsoft.com/office/drawing/2014/main" id="{87BE37C3-6C6D-419E-A752-6F6359EF5BD4}"/>
               </a:ext>
             </a:extLst>
           </p:cNvPr>
@@ -312,7 +312,7 @@
               <a:pPr>
                 <a:defRPr/>
               </a:pPr>
-              <a:t>08/10/2018</a:t>
+              <a:t>15/10/2018</a:t>
             </a:fld>
             <a:endParaRPr lang="pt-BR"/>
           </a:p>
@@ -323,7 +323,7 @@
           <p:cNvPr id="4" name="Espaço Reservado para Rodapé 3">
             <a:extLst>
               <a:ext uri="{FF2B5EF4-FFF2-40B4-BE49-F238E27FC236}">
-                <a16:creationId xmlns:a16="http://schemas.microsoft.com/office/drawing/2014/main" xmlns="" id="{39FC575E-E34D-4FD5-8CB2-864C4CD1B975}"/>
+                <a16:creationId xmlns:a16="http://schemas.microsoft.com/office/drawing/2014/main" id="{39FC575E-E34D-4FD5-8CB2-864C4CD1B975}"/>
               </a:ext>
             </a:extLst>
           </p:cNvPr>
@@ -371,7 +371,7 @@
           <p:cNvPr id="5" name="Espaço Reservado para Número de Slide 4">
             <a:extLst>
               <a:ext uri="{FF2B5EF4-FFF2-40B4-BE49-F238E27FC236}">
-                <a16:creationId xmlns:a16="http://schemas.microsoft.com/office/drawing/2014/main" xmlns="" id="{0B05C3D1-17D2-46D4-800B-0C1048B3A60B}"/>
+                <a16:creationId xmlns:a16="http://schemas.microsoft.com/office/drawing/2014/main" id="{0B05C3D1-17D2-46D4-800B-0C1048B3A60B}"/>
               </a:ext>
             </a:extLst>
           </p:cNvPr>
@@ -462,7 +462,7 @@
           <p:cNvPr id="2" name="Espaço Reservado para Cabeçalho 1">
             <a:extLst>
               <a:ext uri="{FF2B5EF4-FFF2-40B4-BE49-F238E27FC236}">
-                <a16:creationId xmlns:a16="http://schemas.microsoft.com/office/drawing/2014/main" xmlns="" id="{4DE1D4D0-5D8A-42E4-A44C-2E35823550AC}"/>
+                <a16:creationId xmlns:a16="http://schemas.microsoft.com/office/drawing/2014/main" id="{4DE1D4D0-5D8A-42E4-A44C-2E35823550AC}"/>
               </a:ext>
             </a:extLst>
           </p:cNvPr>
@@ -510,7 +510,7 @@
           <p:cNvPr id="3" name="Espaço Reservado para Data 2">
             <a:extLst>
               <a:ext uri="{FF2B5EF4-FFF2-40B4-BE49-F238E27FC236}">
-                <a16:creationId xmlns:a16="http://schemas.microsoft.com/office/drawing/2014/main" xmlns="" id="{B3FC9361-4F3E-4A5F-98A1-C3354550B155}"/>
+                <a16:creationId xmlns:a16="http://schemas.microsoft.com/office/drawing/2014/main" id="{B3FC9361-4F3E-4A5F-98A1-C3354550B155}"/>
               </a:ext>
             </a:extLst>
           </p:cNvPr>
@@ -554,7 +554,7 @@
               <a:pPr>
                 <a:defRPr/>
               </a:pPr>
-              <a:t>08/10/2018</a:t>
+              <a:t>15/10/2018</a:t>
             </a:fld>
             <a:endParaRPr lang="pt-BR"/>
           </a:p>
@@ -565,7 +565,7 @@
           <p:cNvPr id="4" name="Espaço Reservado para Imagem de Slide 3">
             <a:extLst>
               <a:ext uri="{FF2B5EF4-FFF2-40B4-BE49-F238E27FC236}">
-                <a16:creationId xmlns:a16="http://schemas.microsoft.com/office/drawing/2014/main" xmlns="" id="{2762C9D9-BFD5-4368-B1CB-CAC54A74F04A}"/>
+                <a16:creationId xmlns:a16="http://schemas.microsoft.com/office/drawing/2014/main" id="{2762C9D9-BFD5-4368-B1CB-CAC54A74F04A}"/>
               </a:ext>
             </a:extLst>
           </p:cNvPr>
@@ -605,7 +605,7 @@
           <p:cNvPr id="5" name="Espaço Reservado para Anotações 4">
             <a:extLst>
               <a:ext uri="{FF2B5EF4-FFF2-40B4-BE49-F238E27FC236}">
-                <a16:creationId xmlns:a16="http://schemas.microsoft.com/office/drawing/2014/main" xmlns="" id="{7039A95F-ED9F-42BD-BEB4-549B8E030D63}"/>
+                <a16:creationId xmlns:a16="http://schemas.microsoft.com/office/drawing/2014/main" id="{7039A95F-ED9F-42BD-BEB4-549B8E030D63}"/>
               </a:ext>
             </a:extLst>
           </p:cNvPr>
@@ -672,7 +672,7 @@
           <p:cNvPr id="6" name="Espaço Reservado para Rodapé 5">
             <a:extLst>
               <a:ext uri="{FF2B5EF4-FFF2-40B4-BE49-F238E27FC236}">
-                <a16:creationId xmlns:a16="http://schemas.microsoft.com/office/drawing/2014/main" xmlns="" id="{EDB94CA7-3AC8-4165-A94C-34FBA1D2E9DB}"/>
+                <a16:creationId xmlns:a16="http://schemas.microsoft.com/office/drawing/2014/main" id="{EDB94CA7-3AC8-4165-A94C-34FBA1D2E9DB}"/>
               </a:ext>
             </a:extLst>
           </p:cNvPr>
@@ -720,7 +720,7 @@
           <p:cNvPr id="7" name="Espaço Reservado para Número de Slide 6">
             <a:extLst>
               <a:ext uri="{FF2B5EF4-FFF2-40B4-BE49-F238E27FC236}">
-                <a16:creationId xmlns:a16="http://schemas.microsoft.com/office/drawing/2014/main" xmlns="" id="{D23A0093-D0D9-4064-A7EE-144BBDB9898B}"/>
+                <a16:creationId xmlns:a16="http://schemas.microsoft.com/office/drawing/2014/main" id="{D23A0093-D0D9-4064-A7EE-144BBDB9898B}"/>
               </a:ext>
             </a:extLst>
           </p:cNvPr>
@@ -925,7 +925,7 @@
           <p:cNvPr id="5122" name="Espaço Reservado para Imagem de Slide 1">
             <a:extLst>
               <a:ext uri="{FF2B5EF4-FFF2-40B4-BE49-F238E27FC236}">
-                <a16:creationId xmlns:a16="http://schemas.microsoft.com/office/drawing/2014/main" xmlns="" id="{D3E94D92-5288-4705-B3A8-191A85A2943B}"/>
+                <a16:creationId xmlns:a16="http://schemas.microsoft.com/office/drawing/2014/main" id="{D3E94D92-5288-4705-B3A8-191A85A2943B}"/>
               </a:ext>
             </a:extLst>
           </p:cNvPr>
@@ -962,7 +962,7 @@
           <p:cNvPr id="5123" name="Espaço Reservado para Anotações 2">
             <a:extLst>
               <a:ext uri="{FF2B5EF4-FFF2-40B4-BE49-F238E27FC236}">
-                <a16:creationId xmlns:a16="http://schemas.microsoft.com/office/drawing/2014/main" xmlns="" id="{93EC9428-2A5F-49C7-BBF8-1C0233E6E10F}"/>
+                <a16:creationId xmlns:a16="http://schemas.microsoft.com/office/drawing/2014/main" id="{93EC9428-2A5F-49C7-BBF8-1C0233E6E10F}"/>
               </a:ext>
             </a:extLst>
           </p:cNvPr>
@@ -1017,7 +1017,7 @@
           <p:cNvPr id="5124" name="Espaço Reservado para Número de Slide 3">
             <a:extLst>
               <a:ext uri="{FF2B5EF4-FFF2-40B4-BE49-F238E27FC236}">
-                <a16:creationId xmlns:a16="http://schemas.microsoft.com/office/drawing/2014/main" xmlns="" id="{A0AE8D3E-7250-4FF8-B65D-6846CD110688}"/>
+                <a16:creationId xmlns:a16="http://schemas.microsoft.com/office/drawing/2014/main" id="{A0AE8D3E-7250-4FF8-B65D-6846CD110688}"/>
               </a:ext>
             </a:extLst>
           </p:cNvPr>
@@ -1214,7 +1214,7 @@
           <p:cNvPr id="7170" name="Espaço Reservado para Imagem de Slide 1">
             <a:extLst>
               <a:ext uri="{FF2B5EF4-FFF2-40B4-BE49-F238E27FC236}">
-                <a16:creationId xmlns:a16="http://schemas.microsoft.com/office/drawing/2014/main" xmlns="" id="{4458B98E-0DCC-48E8-910C-226E0F842E07}"/>
+                <a16:creationId xmlns:a16="http://schemas.microsoft.com/office/drawing/2014/main" id="{4458B98E-0DCC-48E8-910C-226E0F842E07}"/>
               </a:ext>
             </a:extLst>
           </p:cNvPr>
@@ -1251,7 +1251,7 @@
           <p:cNvPr id="7171" name="Espaço Reservado para Anotações 2">
             <a:extLst>
               <a:ext uri="{FF2B5EF4-FFF2-40B4-BE49-F238E27FC236}">
-                <a16:creationId xmlns:a16="http://schemas.microsoft.com/office/drawing/2014/main" xmlns="" id="{D8D8DA02-9479-416E-822A-05C1FDDD426A}"/>
+                <a16:creationId xmlns:a16="http://schemas.microsoft.com/office/drawing/2014/main" id="{D8D8DA02-9479-416E-822A-05C1FDDD426A}"/>
               </a:ext>
             </a:extLst>
           </p:cNvPr>
@@ -1306,7 +1306,7 @@
           <p:cNvPr id="7172" name="Espaço Reservado para Número de Slide 3">
             <a:extLst>
               <a:ext uri="{FF2B5EF4-FFF2-40B4-BE49-F238E27FC236}">
-                <a16:creationId xmlns:a16="http://schemas.microsoft.com/office/drawing/2014/main" xmlns="" id="{3B3C2A5D-6292-409B-B7EA-2248BFE3DDAD}"/>
+                <a16:creationId xmlns:a16="http://schemas.microsoft.com/office/drawing/2014/main" id="{3B3C2A5D-6292-409B-B7EA-2248BFE3DDAD}"/>
               </a:ext>
             </a:extLst>
           </p:cNvPr>
@@ -1503,7 +1503,7 @@
           <p:cNvPr id="7170" name="Espaço Reservado para Imagem de Slide 1">
             <a:extLst>
               <a:ext uri="{FF2B5EF4-FFF2-40B4-BE49-F238E27FC236}">
-                <a16:creationId xmlns:a16="http://schemas.microsoft.com/office/drawing/2014/main" xmlns="" id="{4458B98E-0DCC-48E8-910C-226E0F842E07}"/>
+                <a16:creationId xmlns:a16="http://schemas.microsoft.com/office/drawing/2014/main" id="{4458B98E-0DCC-48E8-910C-226E0F842E07}"/>
               </a:ext>
             </a:extLst>
           </p:cNvPr>
@@ -1540,7 +1540,7 @@
           <p:cNvPr id="7171" name="Espaço Reservado para Anotações 2">
             <a:extLst>
               <a:ext uri="{FF2B5EF4-FFF2-40B4-BE49-F238E27FC236}">
-                <a16:creationId xmlns:a16="http://schemas.microsoft.com/office/drawing/2014/main" xmlns="" id="{D8D8DA02-9479-416E-822A-05C1FDDD426A}"/>
+                <a16:creationId xmlns:a16="http://schemas.microsoft.com/office/drawing/2014/main" id="{D8D8DA02-9479-416E-822A-05C1FDDD426A}"/>
               </a:ext>
             </a:extLst>
           </p:cNvPr>
@@ -1595,7 +1595,7 @@
           <p:cNvPr id="7172" name="Espaço Reservado para Número de Slide 3">
             <a:extLst>
               <a:ext uri="{FF2B5EF4-FFF2-40B4-BE49-F238E27FC236}">
-                <a16:creationId xmlns:a16="http://schemas.microsoft.com/office/drawing/2014/main" xmlns="" id="{3B3C2A5D-6292-409B-B7EA-2248BFE3DDAD}"/>
+                <a16:creationId xmlns:a16="http://schemas.microsoft.com/office/drawing/2014/main" id="{3B3C2A5D-6292-409B-B7EA-2248BFE3DDAD}"/>
               </a:ext>
             </a:extLst>
           </p:cNvPr>
@@ -1792,7 +1792,7 @@
           <p:cNvPr id="7170" name="Espaço Reservado para Imagem de Slide 1">
             <a:extLst>
               <a:ext uri="{FF2B5EF4-FFF2-40B4-BE49-F238E27FC236}">
-                <a16:creationId xmlns:a16="http://schemas.microsoft.com/office/drawing/2014/main" xmlns="" id="{4458B98E-0DCC-48E8-910C-226E0F842E07}"/>
+                <a16:creationId xmlns:a16="http://schemas.microsoft.com/office/drawing/2014/main" id="{4458B98E-0DCC-48E8-910C-226E0F842E07}"/>
               </a:ext>
             </a:extLst>
           </p:cNvPr>
@@ -1829,7 +1829,7 @@
           <p:cNvPr id="7171" name="Espaço Reservado para Anotações 2">
             <a:extLst>
               <a:ext uri="{FF2B5EF4-FFF2-40B4-BE49-F238E27FC236}">
-                <a16:creationId xmlns:a16="http://schemas.microsoft.com/office/drawing/2014/main" xmlns="" id="{D8D8DA02-9479-416E-822A-05C1FDDD426A}"/>
+                <a16:creationId xmlns:a16="http://schemas.microsoft.com/office/drawing/2014/main" id="{D8D8DA02-9479-416E-822A-05C1FDDD426A}"/>
               </a:ext>
             </a:extLst>
           </p:cNvPr>
@@ -1884,7 +1884,7 @@
           <p:cNvPr id="7172" name="Espaço Reservado para Número de Slide 3">
             <a:extLst>
               <a:ext uri="{FF2B5EF4-FFF2-40B4-BE49-F238E27FC236}">
-                <a16:creationId xmlns:a16="http://schemas.microsoft.com/office/drawing/2014/main" xmlns="" id="{3B3C2A5D-6292-409B-B7EA-2248BFE3DDAD}"/>
+                <a16:creationId xmlns:a16="http://schemas.microsoft.com/office/drawing/2014/main" id="{3B3C2A5D-6292-409B-B7EA-2248BFE3DDAD}"/>
               </a:ext>
             </a:extLst>
           </p:cNvPr>
@@ -2081,7 +2081,7 @@
           <p:cNvPr id="7170" name="Espaço Reservado para Imagem de Slide 1">
             <a:extLst>
               <a:ext uri="{FF2B5EF4-FFF2-40B4-BE49-F238E27FC236}">
-                <a16:creationId xmlns:a16="http://schemas.microsoft.com/office/drawing/2014/main" xmlns="" id="{4458B98E-0DCC-48E8-910C-226E0F842E07}"/>
+                <a16:creationId xmlns:a16="http://schemas.microsoft.com/office/drawing/2014/main" id="{4458B98E-0DCC-48E8-910C-226E0F842E07}"/>
               </a:ext>
             </a:extLst>
           </p:cNvPr>
@@ -2118,7 +2118,7 @@
           <p:cNvPr id="7171" name="Espaço Reservado para Anotações 2">
             <a:extLst>
               <a:ext uri="{FF2B5EF4-FFF2-40B4-BE49-F238E27FC236}">
-                <a16:creationId xmlns:a16="http://schemas.microsoft.com/office/drawing/2014/main" xmlns="" id="{D8D8DA02-9479-416E-822A-05C1FDDD426A}"/>
+                <a16:creationId xmlns:a16="http://schemas.microsoft.com/office/drawing/2014/main" id="{D8D8DA02-9479-416E-822A-05C1FDDD426A}"/>
               </a:ext>
             </a:extLst>
           </p:cNvPr>
@@ -2173,7 +2173,7 @@
           <p:cNvPr id="7172" name="Espaço Reservado para Número de Slide 3">
             <a:extLst>
               <a:ext uri="{FF2B5EF4-FFF2-40B4-BE49-F238E27FC236}">
-                <a16:creationId xmlns:a16="http://schemas.microsoft.com/office/drawing/2014/main" xmlns="" id="{3B3C2A5D-6292-409B-B7EA-2248BFE3DDAD}"/>
+                <a16:creationId xmlns:a16="http://schemas.microsoft.com/office/drawing/2014/main" id="{3B3C2A5D-6292-409B-B7EA-2248BFE3DDAD}"/>
               </a:ext>
             </a:extLst>
           </p:cNvPr>
@@ -2370,7 +2370,7 @@
           <p:cNvPr id="7170" name="Espaço Reservado para Imagem de Slide 1">
             <a:extLst>
               <a:ext uri="{FF2B5EF4-FFF2-40B4-BE49-F238E27FC236}">
-                <a16:creationId xmlns:a16="http://schemas.microsoft.com/office/drawing/2014/main" xmlns="" id="{4458B98E-0DCC-48E8-910C-226E0F842E07}"/>
+                <a16:creationId xmlns:a16="http://schemas.microsoft.com/office/drawing/2014/main" id="{4458B98E-0DCC-48E8-910C-226E0F842E07}"/>
               </a:ext>
             </a:extLst>
           </p:cNvPr>
@@ -2407,7 +2407,7 @@
           <p:cNvPr id="7171" name="Espaço Reservado para Anotações 2">
             <a:extLst>
               <a:ext uri="{FF2B5EF4-FFF2-40B4-BE49-F238E27FC236}">
-                <a16:creationId xmlns:a16="http://schemas.microsoft.com/office/drawing/2014/main" xmlns="" id="{D8D8DA02-9479-416E-822A-05C1FDDD426A}"/>
+                <a16:creationId xmlns:a16="http://schemas.microsoft.com/office/drawing/2014/main" id="{D8D8DA02-9479-416E-822A-05C1FDDD426A}"/>
               </a:ext>
             </a:extLst>
           </p:cNvPr>
@@ -2462,7 +2462,7 @@
           <p:cNvPr id="7172" name="Espaço Reservado para Número de Slide 3">
             <a:extLst>
               <a:ext uri="{FF2B5EF4-FFF2-40B4-BE49-F238E27FC236}">
-                <a16:creationId xmlns:a16="http://schemas.microsoft.com/office/drawing/2014/main" xmlns="" id="{3B3C2A5D-6292-409B-B7EA-2248BFE3DDAD}"/>
+                <a16:creationId xmlns:a16="http://schemas.microsoft.com/office/drawing/2014/main" id="{3B3C2A5D-6292-409B-B7EA-2248BFE3DDAD}"/>
               </a:ext>
             </a:extLst>
           </p:cNvPr>
@@ -2659,7 +2659,7 @@
           <p:cNvPr id="7170" name="Espaço Reservado para Imagem de Slide 1">
             <a:extLst>
               <a:ext uri="{FF2B5EF4-FFF2-40B4-BE49-F238E27FC236}">
-                <a16:creationId xmlns:a16="http://schemas.microsoft.com/office/drawing/2014/main" xmlns="" id="{4458B98E-0DCC-48E8-910C-226E0F842E07}"/>
+                <a16:creationId xmlns:a16="http://schemas.microsoft.com/office/drawing/2014/main" id="{4458B98E-0DCC-48E8-910C-226E0F842E07}"/>
               </a:ext>
             </a:extLst>
           </p:cNvPr>
@@ -2696,7 +2696,7 @@
           <p:cNvPr id="7171" name="Espaço Reservado para Anotações 2">
             <a:extLst>
               <a:ext uri="{FF2B5EF4-FFF2-40B4-BE49-F238E27FC236}">
-                <a16:creationId xmlns:a16="http://schemas.microsoft.com/office/drawing/2014/main" xmlns="" id="{D8D8DA02-9479-416E-822A-05C1FDDD426A}"/>
+                <a16:creationId xmlns:a16="http://schemas.microsoft.com/office/drawing/2014/main" id="{D8D8DA02-9479-416E-822A-05C1FDDD426A}"/>
               </a:ext>
             </a:extLst>
           </p:cNvPr>
@@ -2751,7 +2751,7 @@
           <p:cNvPr id="7172" name="Espaço Reservado para Número de Slide 3">
             <a:extLst>
               <a:ext uri="{FF2B5EF4-FFF2-40B4-BE49-F238E27FC236}">
-                <a16:creationId xmlns:a16="http://schemas.microsoft.com/office/drawing/2014/main" xmlns="" id="{3B3C2A5D-6292-409B-B7EA-2248BFE3DDAD}"/>
+                <a16:creationId xmlns:a16="http://schemas.microsoft.com/office/drawing/2014/main" id="{3B3C2A5D-6292-409B-B7EA-2248BFE3DDAD}"/>
               </a:ext>
             </a:extLst>
           </p:cNvPr>
@@ -2948,7 +2948,7 @@
           <p:cNvPr id="7170" name="Espaço Reservado para Imagem de Slide 1">
             <a:extLst>
               <a:ext uri="{FF2B5EF4-FFF2-40B4-BE49-F238E27FC236}">
-                <a16:creationId xmlns:a16="http://schemas.microsoft.com/office/drawing/2014/main" xmlns="" id="{4458B98E-0DCC-48E8-910C-226E0F842E07}"/>
+                <a16:creationId xmlns:a16="http://schemas.microsoft.com/office/drawing/2014/main" id="{4458B98E-0DCC-48E8-910C-226E0F842E07}"/>
               </a:ext>
             </a:extLst>
           </p:cNvPr>
@@ -2985,7 +2985,7 @@
           <p:cNvPr id="7171" name="Espaço Reservado para Anotações 2">
             <a:extLst>
               <a:ext uri="{FF2B5EF4-FFF2-40B4-BE49-F238E27FC236}">
-                <a16:creationId xmlns:a16="http://schemas.microsoft.com/office/drawing/2014/main" xmlns="" id="{D8D8DA02-9479-416E-822A-05C1FDDD426A}"/>
+                <a16:creationId xmlns:a16="http://schemas.microsoft.com/office/drawing/2014/main" id="{D8D8DA02-9479-416E-822A-05C1FDDD426A}"/>
               </a:ext>
             </a:extLst>
           </p:cNvPr>
@@ -3040,7 +3040,7 @@
           <p:cNvPr id="7172" name="Espaço Reservado para Número de Slide 3">
             <a:extLst>
               <a:ext uri="{FF2B5EF4-FFF2-40B4-BE49-F238E27FC236}">
-                <a16:creationId xmlns:a16="http://schemas.microsoft.com/office/drawing/2014/main" xmlns="" id="{3B3C2A5D-6292-409B-B7EA-2248BFE3DDAD}"/>
+                <a16:creationId xmlns:a16="http://schemas.microsoft.com/office/drawing/2014/main" id="{3B3C2A5D-6292-409B-B7EA-2248BFE3DDAD}"/>
               </a:ext>
             </a:extLst>
           </p:cNvPr>
@@ -3237,7 +3237,7 @@
           <p:cNvPr id="7170" name="Espaço Reservado para Imagem de Slide 1">
             <a:extLst>
               <a:ext uri="{FF2B5EF4-FFF2-40B4-BE49-F238E27FC236}">
-                <a16:creationId xmlns:a16="http://schemas.microsoft.com/office/drawing/2014/main" xmlns="" id="{4458B98E-0DCC-48E8-910C-226E0F842E07}"/>
+                <a16:creationId xmlns:a16="http://schemas.microsoft.com/office/drawing/2014/main" id="{4458B98E-0DCC-48E8-910C-226E0F842E07}"/>
               </a:ext>
             </a:extLst>
           </p:cNvPr>
@@ -3274,7 +3274,7 @@
           <p:cNvPr id="7171" name="Espaço Reservado para Anotações 2">
             <a:extLst>
               <a:ext uri="{FF2B5EF4-FFF2-40B4-BE49-F238E27FC236}">
-                <a16:creationId xmlns:a16="http://schemas.microsoft.com/office/drawing/2014/main" xmlns="" id="{D8D8DA02-9479-416E-822A-05C1FDDD426A}"/>
+                <a16:creationId xmlns:a16="http://schemas.microsoft.com/office/drawing/2014/main" id="{D8D8DA02-9479-416E-822A-05C1FDDD426A}"/>
               </a:ext>
             </a:extLst>
           </p:cNvPr>
@@ -3329,7 +3329,7 @@
           <p:cNvPr id="7172" name="Espaço Reservado para Número de Slide 3">
             <a:extLst>
               <a:ext uri="{FF2B5EF4-FFF2-40B4-BE49-F238E27FC236}">
-                <a16:creationId xmlns:a16="http://schemas.microsoft.com/office/drawing/2014/main" xmlns="" id="{3B3C2A5D-6292-409B-B7EA-2248BFE3DDAD}"/>
+                <a16:creationId xmlns:a16="http://schemas.microsoft.com/office/drawing/2014/main" id="{3B3C2A5D-6292-409B-B7EA-2248BFE3DDAD}"/>
               </a:ext>
             </a:extLst>
           </p:cNvPr>
@@ -3671,7 +3671,7 @@
           <p:cNvPr id="4" name="Espaço Reservado para Data 3">
             <a:extLst>
               <a:ext uri="{FF2B5EF4-FFF2-40B4-BE49-F238E27FC236}">
-                <a16:creationId xmlns:a16="http://schemas.microsoft.com/office/drawing/2014/main" xmlns="" id="{F883A573-2210-4393-8944-3CDC6994D7FC}"/>
+                <a16:creationId xmlns:a16="http://schemas.microsoft.com/office/drawing/2014/main" id="{F883A573-2210-4393-8944-3CDC6994D7FC}"/>
               </a:ext>
             </a:extLst>
           </p:cNvPr>
@@ -3699,7 +3699,7 @@
               <a:pPr>
                 <a:defRPr/>
               </a:pPr>
-              <a:t>08/10/2018</a:t>
+              <a:t>15/10/2018</a:t>
             </a:fld>
             <a:endParaRPr lang="pt-BR"/>
           </a:p>
@@ -3710,7 +3710,7 @@
           <p:cNvPr id="5" name="Espaço Reservado para Rodapé 4">
             <a:extLst>
               <a:ext uri="{FF2B5EF4-FFF2-40B4-BE49-F238E27FC236}">
-                <a16:creationId xmlns:a16="http://schemas.microsoft.com/office/drawing/2014/main" xmlns="" id="{B268EAED-DAAE-42B0-8992-1105AF9DFF76}"/>
+                <a16:creationId xmlns:a16="http://schemas.microsoft.com/office/drawing/2014/main" id="{B268EAED-DAAE-42B0-8992-1105AF9DFF76}"/>
               </a:ext>
             </a:extLst>
           </p:cNvPr>
@@ -3742,7 +3742,7 @@
           <p:cNvPr id="6" name="Espaço Reservado para Número de Slide 5">
             <a:extLst>
               <a:ext uri="{FF2B5EF4-FFF2-40B4-BE49-F238E27FC236}">
-                <a16:creationId xmlns:a16="http://schemas.microsoft.com/office/drawing/2014/main" xmlns="" id="{9A24F5A0-B15C-439E-B63C-AEED0D09FA84}"/>
+                <a16:creationId xmlns:a16="http://schemas.microsoft.com/office/drawing/2014/main" id="{9A24F5A0-B15C-439E-B63C-AEED0D09FA84}"/>
               </a:ext>
             </a:extLst>
           </p:cNvPr>
@@ -3884,7 +3884,7 @@
           <p:cNvPr id="4" name="Espaço Reservado para Data 3">
             <a:extLst>
               <a:ext uri="{FF2B5EF4-FFF2-40B4-BE49-F238E27FC236}">
-                <a16:creationId xmlns:a16="http://schemas.microsoft.com/office/drawing/2014/main" xmlns="" id="{B7D5AB67-4632-4273-AF61-D0C2EFC3C317}"/>
+                <a16:creationId xmlns:a16="http://schemas.microsoft.com/office/drawing/2014/main" id="{B7D5AB67-4632-4273-AF61-D0C2EFC3C317}"/>
               </a:ext>
             </a:extLst>
           </p:cNvPr>
@@ -3912,7 +3912,7 @@
               <a:pPr>
                 <a:defRPr/>
               </a:pPr>
-              <a:t>08/10/2018</a:t>
+              <a:t>15/10/2018</a:t>
             </a:fld>
             <a:endParaRPr lang="pt-BR"/>
           </a:p>
@@ -3923,7 +3923,7 @@
           <p:cNvPr id="5" name="Espaço Reservado para Rodapé 4">
             <a:extLst>
               <a:ext uri="{FF2B5EF4-FFF2-40B4-BE49-F238E27FC236}">
-                <a16:creationId xmlns:a16="http://schemas.microsoft.com/office/drawing/2014/main" xmlns="" id="{B86A78F7-4A8E-466A-A898-AC8FBD001960}"/>
+                <a16:creationId xmlns:a16="http://schemas.microsoft.com/office/drawing/2014/main" id="{B86A78F7-4A8E-466A-A898-AC8FBD001960}"/>
               </a:ext>
             </a:extLst>
           </p:cNvPr>
@@ -3955,7 +3955,7 @@
           <p:cNvPr id="6" name="Espaço Reservado para Número de Slide 5">
             <a:extLst>
               <a:ext uri="{FF2B5EF4-FFF2-40B4-BE49-F238E27FC236}">
-                <a16:creationId xmlns:a16="http://schemas.microsoft.com/office/drawing/2014/main" xmlns="" id="{F244AA6D-960B-4FF0-A782-2D576A9DD30B}"/>
+                <a16:creationId xmlns:a16="http://schemas.microsoft.com/office/drawing/2014/main" id="{F244AA6D-960B-4FF0-A782-2D576A9DD30B}"/>
               </a:ext>
             </a:extLst>
           </p:cNvPr>
@@ -4107,7 +4107,7 @@
           <p:cNvPr id="4" name="Espaço Reservado para Data 3">
             <a:extLst>
               <a:ext uri="{FF2B5EF4-FFF2-40B4-BE49-F238E27FC236}">
-                <a16:creationId xmlns:a16="http://schemas.microsoft.com/office/drawing/2014/main" xmlns="" id="{5662157C-8C1C-4742-9AD2-4E27CF98C4C6}"/>
+                <a16:creationId xmlns:a16="http://schemas.microsoft.com/office/drawing/2014/main" id="{5662157C-8C1C-4742-9AD2-4E27CF98C4C6}"/>
               </a:ext>
             </a:extLst>
           </p:cNvPr>
@@ -4135,7 +4135,7 @@
               <a:pPr>
                 <a:defRPr/>
               </a:pPr>
-              <a:t>08/10/2018</a:t>
+              <a:t>15/10/2018</a:t>
             </a:fld>
             <a:endParaRPr lang="pt-BR"/>
           </a:p>
@@ -4146,7 +4146,7 @@
           <p:cNvPr id="5" name="Espaço Reservado para Rodapé 4">
             <a:extLst>
               <a:ext uri="{FF2B5EF4-FFF2-40B4-BE49-F238E27FC236}">
-                <a16:creationId xmlns:a16="http://schemas.microsoft.com/office/drawing/2014/main" xmlns="" id="{42FAFA61-1E24-488C-B1F0-06A2F9309726}"/>
+                <a16:creationId xmlns:a16="http://schemas.microsoft.com/office/drawing/2014/main" id="{42FAFA61-1E24-488C-B1F0-06A2F9309726}"/>
               </a:ext>
             </a:extLst>
           </p:cNvPr>
@@ -4178,7 +4178,7 @@
           <p:cNvPr id="6" name="Espaço Reservado para Número de Slide 5">
             <a:extLst>
               <a:ext uri="{FF2B5EF4-FFF2-40B4-BE49-F238E27FC236}">
-                <a16:creationId xmlns:a16="http://schemas.microsoft.com/office/drawing/2014/main" xmlns="" id="{9750D5A1-7E49-45D7-A78D-FBF208F8364F}"/>
+                <a16:creationId xmlns:a16="http://schemas.microsoft.com/office/drawing/2014/main" id="{9750D5A1-7E49-45D7-A78D-FBF208F8364F}"/>
               </a:ext>
             </a:extLst>
           </p:cNvPr>
@@ -4320,7 +4320,7 @@
           <p:cNvPr id="4" name="Espaço Reservado para Data 3">
             <a:extLst>
               <a:ext uri="{FF2B5EF4-FFF2-40B4-BE49-F238E27FC236}">
-                <a16:creationId xmlns:a16="http://schemas.microsoft.com/office/drawing/2014/main" xmlns="" id="{244E5100-135B-48E5-9230-107B47DDE4F1}"/>
+                <a16:creationId xmlns:a16="http://schemas.microsoft.com/office/drawing/2014/main" id="{244E5100-135B-48E5-9230-107B47DDE4F1}"/>
               </a:ext>
             </a:extLst>
           </p:cNvPr>
@@ -4348,7 +4348,7 @@
               <a:pPr>
                 <a:defRPr/>
               </a:pPr>
-              <a:t>08/10/2018</a:t>
+              <a:t>15/10/2018</a:t>
             </a:fld>
             <a:endParaRPr lang="pt-BR"/>
           </a:p>
@@ -4359,7 +4359,7 @@
           <p:cNvPr id="5" name="Espaço Reservado para Rodapé 4">
             <a:extLst>
               <a:ext uri="{FF2B5EF4-FFF2-40B4-BE49-F238E27FC236}">
-                <a16:creationId xmlns:a16="http://schemas.microsoft.com/office/drawing/2014/main" xmlns="" id="{5EE66B1B-1477-4CF9-AEFB-A0E8FAA54F6D}"/>
+                <a16:creationId xmlns:a16="http://schemas.microsoft.com/office/drawing/2014/main" id="{5EE66B1B-1477-4CF9-AEFB-A0E8FAA54F6D}"/>
               </a:ext>
             </a:extLst>
           </p:cNvPr>
@@ -4391,7 +4391,7 @@
           <p:cNvPr id="6" name="Espaço Reservado para Número de Slide 5">
             <a:extLst>
               <a:ext uri="{FF2B5EF4-FFF2-40B4-BE49-F238E27FC236}">
-                <a16:creationId xmlns:a16="http://schemas.microsoft.com/office/drawing/2014/main" xmlns="" id="{D1043AEC-E00B-471E-B024-2B52FAE383DA}"/>
+                <a16:creationId xmlns:a16="http://schemas.microsoft.com/office/drawing/2014/main" id="{D1043AEC-E00B-471E-B024-2B52FAE383DA}"/>
               </a:ext>
             </a:extLst>
           </p:cNvPr>
@@ -4610,7 +4610,7 @@
           <p:cNvPr id="4" name="Espaço Reservado para Data 3">
             <a:extLst>
               <a:ext uri="{FF2B5EF4-FFF2-40B4-BE49-F238E27FC236}">
-                <a16:creationId xmlns:a16="http://schemas.microsoft.com/office/drawing/2014/main" xmlns="" id="{8B483294-C6FD-42ED-BFE3-EC6842854546}"/>
+                <a16:creationId xmlns:a16="http://schemas.microsoft.com/office/drawing/2014/main" id="{8B483294-C6FD-42ED-BFE3-EC6842854546}"/>
               </a:ext>
             </a:extLst>
           </p:cNvPr>
@@ -4638,7 +4638,7 @@
               <a:pPr>
                 <a:defRPr/>
               </a:pPr>
-              <a:t>08/10/2018</a:t>
+              <a:t>15/10/2018</a:t>
             </a:fld>
             <a:endParaRPr lang="pt-BR"/>
           </a:p>
@@ -4649,7 +4649,7 @@
           <p:cNvPr id="5" name="Espaço Reservado para Rodapé 4">
             <a:extLst>
               <a:ext uri="{FF2B5EF4-FFF2-40B4-BE49-F238E27FC236}">
-                <a16:creationId xmlns:a16="http://schemas.microsoft.com/office/drawing/2014/main" xmlns="" id="{CB17604E-5391-4FDA-822C-2F7E498CFE28}"/>
+                <a16:creationId xmlns:a16="http://schemas.microsoft.com/office/drawing/2014/main" id="{CB17604E-5391-4FDA-822C-2F7E498CFE28}"/>
               </a:ext>
             </a:extLst>
           </p:cNvPr>
@@ -4681,7 +4681,7 @@
           <p:cNvPr id="6" name="Espaço Reservado para Número de Slide 5">
             <a:extLst>
               <a:ext uri="{FF2B5EF4-FFF2-40B4-BE49-F238E27FC236}">
-                <a16:creationId xmlns:a16="http://schemas.microsoft.com/office/drawing/2014/main" xmlns="" id="{6D1CD363-0627-4A70-B469-0586CF94E141}"/>
+                <a16:creationId xmlns:a16="http://schemas.microsoft.com/office/drawing/2014/main" id="{6D1CD363-0627-4A70-B469-0586CF94E141}"/>
               </a:ext>
             </a:extLst>
           </p:cNvPr>
@@ -4940,7 +4940,7 @@
           <p:cNvPr id="5" name="Espaço Reservado para Data 3">
             <a:extLst>
               <a:ext uri="{FF2B5EF4-FFF2-40B4-BE49-F238E27FC236}">
-                <a16:creationId xmlns:a16="http://schemas.microsoft.com/office/drawing/2014/main" xmlns="" id="{6A080E36-29A3-4D14-A4F9-D32E3EF3926E}"/>
+                <a16:creationId xmlns:a16="http://schemas.microsoft.com/office/drawing/2014/main" id="{6A080E36-29A3-4D14-A4F9-D32E3EF3926E}"/>
               </a:ext>
             </a:extLst>
           </p:cNvPr>
@@ -4968,7 +4968,7 @@
               <a:pPr>
                 <a:defRPr/>
               </a:pPr>
-              <a:t>08/10/2018</a:t>
+              <a:t>15/10/2018</a:t>
             </a:fld>
             <a:endParaRPr lang="pt-BR"/>
           </a:p>
@@ -4979,7 +4979,7 @@
           <p:cNvPr id="6" name="Espaço Reservado para Rodapé 4">
             <a:extLst>
               <a:ext uri="{FF2B5EF4-FFF2-40B4-BE49-F238E27FC236}">
-                <a16:creationId xmlns:a16="http://schemas.microsoft.com/office/drawing/2014/main" xmlns="" id="{10FE2BA7-1C65-4D14-A904-0E6EBD460A92}"/>
+                <a16:creationId xmlns:a16="http://schemas.microsoft.com/office/drawing/2014/main" id="{10FE2BA7-1C65-4D14-A904-0E6EBD460A92}"/>
               </a:ext>
             </a:extLst>
           </p:cNvPr>
@@ -5011,7 +5011,7 @@
           <p:cNvPr id="7" name="Espaço Reservado para Número de Slide 5">
             <a:extLst>
               <a:ext uri="{FF2B5EF4-FFF2-40B4-BE49-F238E27FC236}">
-                <a16:creationId xmlns:a16="http://schemas.microsoft.com/office/drawing/2014/main" xmlns="" id="{73C0DE8A-8B9A-4A6C-831F-3B6E522C3B1B}"/>
+                <a16:creationId xmlns:a16="http://schemas.microsoft.com/office/drawing/2014/main" id="{73C0DE8A-8B9A-4A6C-831F-3B6E522C3B1B}"/>
               </a:ext>
             </a:extLst>
           </p:cNvPr>
@@ -5404,7 +5404,7 @@
           <p:cNvPr id="7" name="Espaço Reservado para Data 3">
             <a:extLst>
               <a:ext uri="{FF2B5EF4-FFF2-40B4-BE49-F238E27FC236}">
-                <a16:creationId xmlns:a16="http://schemas.microsoft.com/office/drawing/2014/main" xmlns="" id="{1CDEEF64-23D8-4847-877B-FE9659942113}"/>
+                <a16:creationId xmlns:a16="http://schemas.microsoft.com/office/drawing/2014/main" id="{1CDEEF64-23D8-4847-877B-FE9659942113}"/>
               </a:ext>
             </a:extLst>
           </p:cNvPr>
@@ -5432,7 +5432,7 @@
               <a:pPr>
                 <a:defRPr/>
               </a:pPr>
-              <a:t>08/10/2018</a:t>
+              <a:t>15/10/2018</a:t>
             </a:fld>
             <a:endParaRPr lang="pt-BR"/>
           </a:p>
@@ -5443,7 +5443,7 @@
           <p:cNvPr id="8" name="Espaço Reservado para Rodapé 4">
             <a:extLst>
               <a:ext uri="{FF2B5EF4-FFF2-40B4-BE49-F238E27FC236}">
-                <a16:creationId xmlns:a16="http://schemas.microsoft.com/office/drawing/2014/main" xmlns="" id="{6DA09846-1AA1-4384-B7D5-3CB33D6C2366}"/>
+                <a16:creationId xmlns:a16="http://schemas.microsoft.com/office/drawing/2014/main" id="{6DA09846-1AA1-4384-B7D5-3CB33D6C2366}"/>
               </a:ext>
             </a:extLst>
           </p:cNvPr>
@@ -5475,7 +5475,7 @@
           <p:cNvPr id="9" name="Espaço Reservado para Número de Slide 5">
             <a:extLst>
               <a:ext uri="{FF2B5EF4-FFF2-40B4-BE49-F238E27FC236}">
-                <a16:creationId xmlns:a16="http://schemas.microsoft.com/office/drawing/2014/main" xmlns="" id="{11639CC8-0E95-4DA3-A708-C7B860B22FFF}"/>
+                <a16:creationId xmlns:a16="http://schemas.microsoft.com/office/drawing/2014/main" id="{11639CC8-0E95-4DA3-A708-C7B860B22FFF}"/>
               </a:ext>
             </a:extLst>
           </p:cNvPr>
@@ -5566,7 +5566,7 @@
           <p:cNvPr id="3" name="Espaço Reservado para Data 3">
             <a:extLst>
               <a:ext uri="{FF2B5EF4-FFF2-40B4-BE49-F238E27FC236}">
-                <a16:creationId xmlns:a16="http://schemas.microsoft.com/office/drawing/2014/main" xmlns="" id="{5AD4B59E-6CE0-415D-B6B4-76F517E01CF2}"/>
+                <a16:creationId xmlns:a16="http://schemas.microsoft.com/office/drawing/2014/main" id="{5AD4B59E-6CE0-415D-B6B4-76F517E01CF2}"/>
               </a:ext>
             </a:extLst>
           </p:cNvPr>
@@ -5594,7 +5594,7 @@
               <a:pPr>
                 <a:defRPr/>
               </a:pPr>
-              <a:t>08/10/2018</a:t>
+              <a:t>15/10/2018</a:t>
             </a:fld>
             <a:endParaRPr lang="pt-BR"/>
           </a:p>
@@ -5605,7 +5605,7 @@
           <p:cNvPr id="4" name="Espaço Reservado para Rodapé 4">
             <a:extLst>
               <a:ext uri="{FF2B5EF4-FFF2-40B4-BE49-F238E27FC236}">
-                <a16:creationId xmlns:a16="http://schemas.microsoft.com/office/drawing/2014/main" xmlns="" id="{4FB72FD0-A6FC-485C-89C0-3CA5E8027B05}"/>
+                <a16:creationId xmlns:a16="http://schemas.microsoft.com/office/drawing/2014/main" id="{4FB72FD0-A6FC-485C-89C0-3CA5E8027B05}"/>
               </a:ext>
             </a:extLst>
           </p:cNvPr>
@@ -5637,7 +5637,7 @@
           <p:cNvPr id="5" name="Espaço Reservado para Número de Slide 5">
             <a:extLst>
               <a:ext uri="{FF2B5EF4-FFF2-40B4-BE49-F238E27FC236}">
-                <a16:creationId xmlns:a16="http://schemas.microsoft.com/office/drawing/2014/main" xmlns="" id="{BA14BAF2-7661-49FE-B8BC-5C428ACDA450}"/>
+                <a16:creationId xmlns:a16="http://schemas.microsoft.com/office/drawing/2014/main" id="{BA14BAF2-7661-49FE-B8BC-5C428ACDA450}"/>
               </a:ext>
             </a:extLst>
           </p:cNvPr>
@@ -5706,7 +5706,7 @@
           <p:cNvPr id="2" name="Espaço Reservado para Data 3">
             <a:extLst>
               <a:ext uri="{FF2B5EF4-FFF2-40B4-BE49-F238E27FC236}">
-                <a16:creationId xmlns:a16="http://schemas.microsoft.com/office/drawing/2014/main" xmlns="" id="{BC123069-29ED-4319-9AAF-948AB4127A3F}"/>
+                <a16:creationId xmlns:a16="http://schemas.microsoft.com/office/drawing/2014/main" id="{BC123069-29ED-4319-9AAF-948AB4127A3F}"/>
               </a:ext>
             </a:extLst>
           </p:cNvPr>
@@ -5734,7 +5734,7 @@
               <a:pPr>
                 <a:defRPr/>
               </a:pPr>
-              <a:t>08/10/2018</a:t>
+              <a:t>15/10/2018</a:t>
             </a:fld>
             <a:endParaRPr lang="pt-BR"/>
           </a:p>
@@ -5745,7 +5745,7 @@
           <p:cNvPr id="3" name="Espaço Reservado para Rodapé 4">
             <a:extLst>
               <a:ext uri="{FF2B5EF4-FFF2-40B4-BE49-F238E27FC236}">
-                <a16:creationId xmlns:a16="http://schemas.microsoft.com/office/drawing/2014/main" xmlns="" id="{0564B652-2C2B-4332-AEAE-A1FC4418C38F}"/>
+                <a16:creationId xmlns:a16="http://schemas.microsoft.com/office/drawing/2014/main" id="{0564B652-2C2B-4332-AEAE-A1FC4418C38F}"/>
               </a:ext>
             </a:extLst>
           </p:cNvPr>
@@ -5777,7 +5777,7 @@
           <p:cNvPr id="4" name="Espaço Reservado para Número de Slide 5">
             <a:extLst>
               <a:ext uri="{FF2B5EF4-FFF2-40B4-BE49-F238E27FC236}">
-                <a16:creationId xmlns:a16="http://schemas.microsoft.com/office/drawing/2014/main" xmlns="" id="{BF74C3C2-8596-48A9-B9C9-28E2DD5C69AC}"/>
+                <a16:creationId xmlns:a16="http://schemas.microsoft.com/office/drawing/2014/main" id="{BF74C3C2-8596-48A9-B9C9-28E2DD5C69AC}"/>
               </a:ext>
             </a:extLst>
           </p:cNvPr>
@@ -6026,7 +6026,7 @@
           <p:cNvPr id="5" name="Espaço Reservado para Data 3">
             <a:extLst>
               <a:ext uri="{FF2B5EF4-FFF2-40B4-BE49-F238E27FC236}">
-                <a16:creationId xmlns:a16="http://schemas.microsoft.com/office/drawing/2014/main" xmlns="" id="{24F4379C-CFA7-4AFB-9A46-EF6B8A7CFCD6}"/>
+                <a16:creationId xmlns:a16="http://schemas.microsoft.com/office/drawing/2014/main" id="{24F4379C-CFA7-4AFB-9A46-EF6B8A7CFCD6}"/>
               </a:ext>
             </a:extLst>
           </p:cNvPr>
@@ -6054,7 +6054,7 @@
               <a:pPr>
                 <a:defRPr/>
               </a:pPr>
-              <a:t>08/10/2018</a:t>
+              <a:t>15/10/2018</a:t>
             </a:fld>
             <a:endParaRPr lang="pt-BR"/>
           </a:p>
@@ -6065,7 +6065,7 @@
           <p:cNvPr id="6" name="Espaço Reservado para Rodapé 4">
             <a:extLst>
               <a:ext uri="{FF2B5EF4-FFF2-40B4-BE49-F238E27FC236}">
-                <a16:creationId xmlns:a16="http://schemas.microsoft.com/office/drawing/2014/main" xmlns="" id="{E0B01E8D-928F-4878-A48C-7CF9F19E82E1}"/>
+                <a16:creationId xmlns:a16="http://schemas.microsoft.com/office/drawing/2014/main" id="{E0B01E8D-928F-4878-A48C-7CF9F19E82E1}"/>
               </a:ext>
             </a:extLst>
           </p:cNvPr>
@@ -6097,7 +6097,7 @@
           <p:cNvPr id="7" name="Espaço Reservado para Número de Slide 5">
             <a:extLst>
               <a:ext uri="{FF2B5EF4-FFF2-40B4-BE49-F238E27FC236}">
-                <a16:creationId xmlns:a16="http://schemas.microsoft.com/office/drawing/2014/main" xmlns="" id="{9FEA1D52-5F21-4061-891E-8CF549C2736D}"/>
+                <a16:creationId xmlns:a16="http://schemas.microsoft.com/office/drawing/2014/main" id="{9FEA1D52-5F21-4061-891E-8CF549C2736D}"/>
               </a:ext>
             </a:extLst>
           </p:cNvPr>
@@ -6326,7 +6326,7 @@
           <p:cNvPr id="5" name="Espaço Reservado para Data 3">
             <a:extLst>
               <a:ext uri="{FF2B5EF4-FFF2-40B4-BE49-F238E27FC236}">
-                <a16:creationId xmlns:a16="http://schemas.microsoft.com/office/drawing/2014/main" xmlns="" id="{2F7FAC6E-4F51-4312-A37E-0E4769BC8B43}"/>
+                <a16:creationId xmlns:a16="http://schemas.microsoft.com/office/drawing/2014/main" id="{2F7FAC6E-4F51-4312-A37E-0E4769BC8B43}"/>
               </a:ext>
             </a:extLst>
           </p:cNvPr>
@@ -6354,7 +6354,7 @@
               <a:pPr>
                 <a:defRPr/>
               </a:pPr>
-              <a:t>08/10/2018</a:t>
+              <a:t>15/10/2018</a:t>
             </a:fld>
             <a:endParaRPr lang="pt-BR"/>
           </a:p>
@@ -6365,7 +6365,7 @@
           <p:cNvPr id="6" name="Espaço Reservado para Rodapé 4">
             <a:extLst>
               <a:ext uri="{FF2B5EF4-FFF2-40B4-BE49-F238E27FC236}">
-                <a16:creationId xmlns:a16="http://schemas.microsoft.com/office/drawing/2014/main" xmlns="" id="{ECCA6E65-8B1F-424D-861B-DA4FE3E73962}"/>
+                <a16:creationId xmlns:a16="http://schemas.microsoft.com/office/drawing/2014/main" id="{ECCA6E65-8B1F-424D-861B-DA4FE3E73962}"/>
               </a:ext>
             </a:extLst>
           </p:cNvPr>
@@ -6397,7 +6397,7 @@
           <p:cNvPr id="7" name="Espaço Reservado para Número de Slide 5">
             <a:extLst>
               <a:ext uri="{FF2B5EF4-FFF2-40B4-BE49-F238E27FC236}">
-                <a16:creationId xmlns:a16="http://schemas.microsoft.com/office/drawing/2014/main" xmlns="" id="{4A009E5B-66F3-4E87-AB3A-125655CCD76D}"/>
+                <a16:creationId xmlns:a16="http://schemas.microsoft.com/office/drawing/2014/main" id="{4A009E5B-66F3-4E87-AB3A-125655CCD76D}"/>
               </a:ext>
             </a:extLst>
           </p:cNvPr>
@@ -6474,7 +6474,7 @@
           <p:cNvPr id="1026" name="Espaço Reservado para Título 1">
             <a:extLst>
               <a:ext uri="{FF2B5EF4-FFF2-40B4-BE49-F238E27FC236}">
-                <a16:creationId xmlns:a16="http://schemas.microsoft.com/office/drawing/2014/main" xmlns="" id="{6C051453-D72A-4EB6-BFE2-145390D1C8CA}"/>
+                <a16:creationId xmlns:a16="http://schemas.microsoft.com/office/drawing/2014/main" id="{6C051453-D72A-4EB6-BFE2-145390D1C8CA}"/>
               </a:ext>
             </a:extLst>
           </p:cNvPr>
@@ -6538,7 +6538,7 @@
           <p:cNvPr id="1027" name="Espaço Reservado para Texto 2">
             <a:extLst>
               <a:ext uri="{FF2B5EF4-FFF2-40B4-BE49-F238E27FC236}">
-                <a16:creationId xmlns:a16="http://schemas.microsoft.com/office/drawing/2014/main" xmlns="" id="{34E0B23F-F365-4652-8AF4-6FEE4E0FE7FE}"/>
+                <a16:creationId xmlns:a16="http://schemas.microsoft.com/office/drawing/2014/main" id="{34E0B23F-F365-4652-8AF4-6FEE4E0FE7FE}"/>
               </a:ext>
             </a:extLst>
           </p:cNvPr>
@@ -6630,7 +6630,7 @@
           <p:cNvPr id="4" name="Espaço Reservado para Data 3">
             <a:extLst>
               <a:ext uri="{FF2B5EF4-FFF2-40B4-BE49-F238E27FC236}">
-                <a16:creationId xmlns:a16="http://schemas.microsoft.com/office/drawing/2014/main" xmlns="" id="{9008EC5E-CB3A-4120-A543-9D83DC70DAF6}"/>
+                <a16:creationId xmlns:a16="http://schemas.microsoft.com/office/drawing/2014/main" id="{9008EC5E-CB3A-4120-A543-9D83DC70DAF6}"/>
               </a:ext>
             </a:extLst>
           </p:cNvPr>
@@ -6679,7 +6679,7 @@
               <a:pPr>
                 <a:defRPr/>
               </a:pPr>
-              <a:t>08/10/2018</a:t>
+              <a:t>15/10/2018</a:t>
             </a:fld>
             <a:endParaRPr lang="pt-BR"/>
           </a:p>
@@ -6690,7 +6690,7 @@
           <p:cNvPr id="5" name="Espaço Reservado para Rodapé 4">
             <a:extLst>
               <a:ext uri="{FF2B5EF4-FFF2-40B4-BE49-F238E27FC236}">
-                <a16:creationId xmlns:a16="http://schemas.microsoft.com/office/drawing/2014/main" xmlns="" id="{4376D68B-679E-493B-BA29-367493086B8E}"/>
+                <a16:creationId xmlns:a16="http://schemas.microsoft.com/office/drawing/2014/main" id="{4376D68B-679E-493B-BA29-367493086B8E}"/>
               </a:ext>
             </a:extLst>
           </p:cNvPr>
@@ -6743,7 +6743,7 @@
           <p:cNvPr id="6" name="Espaço Reservado para Número de Slide 5">
             <a:extLst>
               <a:ext uri="{FF2B5EF4-FFF2-40B4-BE49-F238E27FC236}">
-                <a16:creationId xmlns:a16="http://schemas.microsoft.com/office/drawing/2014/main" xmlns="" id="{50624BEC-78A0-47B8-8D0C-872C4F229D06}"/>
+                <a16:creationId xmlns:a16="http://schemas.microsoft.com/office/drawing/2014/main" id="{50624BEC-78A0-47B8-8D0C-872C4F229D06}"/>
               </a:ext>
             </a:extLst>
           </p:cNvPr>
@@ -7218,7 +7218,7 @@
           <p:cNvPr id="4" name="Retângulo de cantos arredondados 3">
             <a:extLst>
               <a:ext uri="{FF2B5EF4-FFF2-40B4-BE49-F238E27FC236}">
-                <a16:creationId xmlns:a16="http://schemas.microsoft.com/office/drawing/2014/main" xmlns="" id="{107A4776-5109-48FC-89DE-B525F6A5B405}"/>
+                <a16:creationId xmlns:a16="http://schemas.microsoft.com/office/drawing/2014/main" id="{107A4776-5109-48FC-89DE-B525F6A5B405}"/>
               </a:ext>
             </a:extLst>
           </p:cNvPr>
@@ -7359,13 +7359,6 @@
   <p:clrMapOvr>
     <a:masterClrMapping/>
   </p:clrMapOvr>
-  <p:timing>
-    <p:tnLst>
-      <p:par>
-        <p:cTn id="1" dur="indefinite" restart="never" nodeType="tmRoot"/>
-      </p:par>
-    </p:tnLst>
-  </p:timing>
 </p:sld>
 </file>
 
@@ -7391,7 +7384,7 @@
           <p:cNvPr id="2" name="Retângulo de cantos arredondados 1">
             <a:extLst>
               <a:ext uri="{FF2B5EF4-FFF2-40B4-BE49-F238E27FC236}">
-                <a16:creationId xmlns:a16="http://schemas.microsoft.com/office/drawing/2014/main" xmlns="" id="{E3705912-64B6-42FF-8B64-09B0476D3B90}"/>
+                <a16:creationId xmlns:a16="http://schemas.microsoft.com/office/drawing/2014/main" id="{E3705912-64B6-42FF-8B64-09B0476D3B90}"/>
               </a:ext>
             </a:extLst>
           </p:cNvPr>
@@ -7466,7 +7459,7 @@
           <p:cNvPr id="7" name="CaixaDeTexto 6">
             <a:extLst>
               <a:ext uri="{FF2B5EF4-FFF2-40B4-BE49-F238E27FC236}">
-                <a16:creationId xmlns:a16="http://schemas.microsoft.com/office/drawing/2014/main" xmlns="" id="{88D3C2D6-8AA6-4ECC-B203-81C3AF64B5DD}"/>
+                <a16:creationId xmlns:a16="http://schemas.microsoft.com/office/drawing/2014/main" id="{88D3C2D6-8AA6-4ECC-B203-81C3AF64B5DD}"/>
               </a:ext>
             </a:extLst>
           </p:cNvPr>
@@ -7475,8 +7468,8 @@
         </p:nvSpPr>
         <p:spPr>
           <a:xfrm>
-            <a:off x="0" y="692150"/>
-            <a:ext cx="9106155" cy="4936031"/>
+            <a:off x="540974" y="1278075"/>
+            <a:ext cx="8025414" cy="4343368"/>
           </a:xfrm>
           <a:prstGeom prst="rect">
             <a:avLst/>
@@ -7528,10 +7521,6 @@
             <a:endParaRPr lang="pt-BR" dirty="0"/>
           </a:p>
           <a:p>
-            <a:r>
-              <a:rPr lang="pt-BR" dirty="0"/>
-              <a:t/>
-            </a:r>
             <a:br>
               <a:rPr lang="pt-BR" dirty="0"/>
             </a:br>
@@ -7544,37 +7533,10 @@
             </a:r>
             <a:r>
               <a:rPr lang="pt-BR" sz="1400" dirty="0"/>
-              <a:t> é uma simples e poderosa ferramenta para construção </a:t>
-            </a:r>
-            <a:r>
-              <a:rPr lang="pt-BR" sz="1400" dirty="0" smtClean="0"/>
-              <a:t>de </a:t>
-            </a:r>
-            <a:r>
-              <a:rPr lang="pt-BR" sz="1400" dirty="0" err="1" smtClean="0"/>
-              <a:t>wikis</a:t>
-            </a:r>
-            <a:r>
-              <a:rPr lang="pt-BR" sz="1400" dirty="0"/>
-              <a:t> </a:t>
-            </a:r>
-            <a:r>
-              <a:rPr lang="pt-BR" sz="1400" dirty="0" smtClean="0"/>
-              <a:t>corporativas</a:t>
-            </a:r>
-            <a:r>
-              <a:rPr lang="pt-BR" sz="1400" dirty="0"/>
-              <a:t>, que permite criar e compartilhar paginas, documentos e conteúdo entre os colaboradores de uma organização.</a:t>
-            </a:r>
-          </a:p>
-          <a:p>
-            <a:r>
-              <a:rPr lang="pt-BR" sz="1400" dirty="0"/>
-              <a:t/>
-            </a:r>
-            <a:br>
-              <a:rPr lang="pt-BR" sz="1400" dirty="0"/>
-            </a:br>
+              <a:t> é uma simples e poderosa ferramenta para construção de wikis corporativas, que permite criar e compartilhar páginas, documentos e conteúdos entre os colaboradores de uma organização.</a:t>
+            </a:r>
+          </a:p>
+          <a:p>
             <a:endParaRPr lang="pt-BR" sz="1400" dirty="0"/>
           </a:p>
           <a:p>
@@ -7588,16 +7550,11 @@
             </a:r>
             <a:r>
               <a:rPr lang="pt-BR" sz="1400" dirty="0"/>
-              <a:t> foi concebido para uso corporativo. Seu sistema de </a:t>
-            </a:r>
-            <a:r>
-              <a:rPr lang="pt-BR" sz="1400" dirty="0" err="1"/>
-              <a:t>permissionamento</a:t>
-            </a:r>
-            <a:r>
-              <a:rPr lang="pt-BR" sz="1400" dirty="0"/>
-              <a:t> permite que você controle quem viu, criou, editou, comentou ou fez uploads de anexos nas páginas e áreas de trabalho, mantendo a segurança e privacidade das informações da empresa. , é compatível com todas as aplicações de Server e Bancos de dados e extremamente flexível</a:t>
-            </a:r>
+              <a:t> foi concebido para uso corporativo. Seu sistema de segurança permite que você controle quem viu, criou, editou, comentou ou fez uploads de anexos nas páginas e áreas de trabalho, mantendo a segurança e privacidade das informações da empresa. </a:t>
+            </a:r>
+          </a:p>
+          <a:p>
+            <a:endParaRPr lang="pt-BR" sz="1400" dirty="0"/>
           </a:p>
           <a:p>
             <a:r>
@@ -7606,17 +7563,12 @@
             </a:r>
           </a:p>
           <a:p>
+            <a:endParaRPr lang="pt-BR" sz="1400" dirty="0"/>
+          </a:p>
+          <a:p>
             <a:r>
               <a:rPr lang="pt-BR" sz="1400" dirty="0"/>
-              <a:t>Baseado em plataforma Web, o Confluence foi desenvolvido em Java® e  roda em </a:t>
-            </a:r>
-            <a:r>
-              <a:rPr lang="pt-BR" sz="1400" dirty="0" smtClean="0"/>
-              <a:t>qualquer </a:t>
-            </a:r>
-            <a:r>
-              <a:rPr lang="pt-BR" sz="1400" dirty="0"/>
-              <a:t>servidor de aplicações e Bancos de dados. É extremamente flexível, podendo ter layout, estrutura e permissões personalizados de acordo com as necessidades da sua empresa.</a:t>
+              <a:t>Baseado em plataforma Web, o Confluence foi desenvolvido em Java® e  roda em qualquer servidor de aplicação. É extremamente flexível, podendo ter layout, estrutura e permissões personalizados de acordo com as necessidades da sua empresa.</a:t>
             </a:r>
           </a:p>
           <a:p>
@@ -7629,7 +7581,7 @@
               </a:spcAft>
             </a:pPr>
             <a:r>
-              <a:rPr lang="pt-BR" sz="1400" dirty="0" smtClean="0">
+              <a:rPr lang="pt-BR" sz="1400" dirty="0">
                 <a:solidFill>
                   <a:srgbClr val="000000"/>
                 </a:solidFill>
@@ -7644,40 +7596,6 @@
               <a:cs typeface="Calibri"/>
             </a:endParaRPr>
           </a:p>
-          <a:p>
-            <a:pPr>
-              <a:lnSpc>
-                <a:spcPct val="107000"/>
-              </a:lnSpc>
-              <a:spcAft>
-                <a:spcPts val="800"/>
-              </a:spcAft>
-            </a:pPr>
-            <a:endParaRPr lang="pt-BR" dirty="0">
-              <a:solidFill>
-                <a:srgbClr val="000000"/>
-              </a:solidFill>
-              <a:latin typeface="Calibri" panose="020F0502020204030204" pitchFamily="34" charset="0"/>
-              <a:cs typeface="Calibri"/>
-            </a:endParaRPr>
-          </a:p>
-          <a:p>
-            <a:pPr>
-              <a:lnSpc>
-                <a:spcPct val="107000"/>
-              </a:lnSpc>
-              <a:spcAft>
-                <a:spcPts val="800"/>
-              </a:spcAft>
-            </a:pPr>
-            <a:endParaRPr lang="pt-BR" dirty="0">
-              <a:solidFill>
-                <a:srgbClr val="000000"/>
-              </a:solidFill>
-              <a:latin typeface="Calibri" panose="020F0502020204030204" pitchFamily="34" charset="0"/>
-              <a:cs typeface="Calibri"/>
-            </a:endParaRPr>
-          </a:p>
         </p:txBody>
       </p:sp>
     </p:spTree>
@@ -7685,13 +7603,6 @@
   <p:clrMapOvr>
     <a:masterClrMapping/>
   </p:clrMapOvr>
-  <p:timing>
-    <p:tnLst>
-      <p:par>
-        <p:cTn id="1" dur="indefinite" restart="never" nodeType="tmRoot"/>
-      </p:par>
-    </p:tnLst>
-  </p:timing>
 </p:sld>
 </file>
 
@@ -7717,7 +7628,7 @@
           <p:cNvPr id="2" name="Retângulo de cantos arredondados 1">
             <a:extLst>
               <a:ext uri="{FF2B5EF4-FFF2-40B4-BE49-F238E27FC236}">
-                <a16:creationId xmlns:a16="http://schemas.microsoft.com/office/drawing/2014/main" xmlns="" id="{E3705912-64B6-42FF-8B64-09B0476D3B90}"/>
+                <a16:creationId xmlns:a16="http://schemas.microsoft.com/office/drawing/2014/main" id="{E3705912-64B6-42FF-8B64-09B0476D3B90}"/>
               </a:ext>
             </a:extLst>
           </p:cNvPr>
@@ -7773,18 +7684,6 @@
               <a:defRPr/>
             </a:pPr>
             <a:r>
-              <a:rPr lang="pt-BR" sz="2400" dirty="0" smtClean="0">
-                <a:effectLst>
-                  <a:outerShdw blurRad="38100" dist="38100" dir="2700000" algn="tl">
-                    <a:srgbClr val="000000">
-                      <a:alpha val="43137"/>
-                    </a:srgbClr>
-                  </a:outerShdw>
-                </a:effectLst>
-              </a:rPr>
-              <a:t>Visão </a:t>
-            </a:r>
-            <a:r>
               <a:rPr lang="pt-BR" sz="2400" dirty="0">
                 <a:effectLst>
                   <a:outerShdw blurRad="38100" dist="38100" dir="2700000" algn="tl">
@@ -7794,7 +7693,7 @@
                   </a:outerShdw>
                 </a:effectLst>
               </a:rPr>
-              <a:t>Geral e operação</a:t>
+              <a:t>Visão Geral e operação</a:t>
             </a:r>
           </a:p>
         </p:txBody>
@@ -7804,7 +7703,7 @@
           <p:cNvPr id="11" name="CaixaDeTexto 10">
             <a:extLst>
               <a:ext uri="{FF2B5EF4-FFF2-40B4-BE49-F238E27FC236}">
-                <a16:creationId xmlns:a16="http://schemas.microsoft.com/office/drawing/2014/main" xmlns="" id="{473CEFD2-AFC0-456B-8199-23ACEE928161}"/>
+                <a16:creationId xmlns:a16="http://schemas.microsoft.com/office/drawing/2014/main" id="{473CEFD2-AFC0-456B-8199-23ACEE928161}"/>
               </a:ext>
             </a:extLst>
           </p:cNvPr>
@@ -8008,13 +7907,6 @@
   <p:clrMapOvr>
     <a:masterClrMapping/>
   </p:clrMapOvr>
-  <p:timing>
-    <p:tnLst>
-      <p:par>
-        <p:cTn id="1" dur="indefinite" restart="never" nodeType="tmRoot"/>
-      </p:par>
-    </p:tnLst>
-  </p:timing>
 </p:sld>
 </file>
 
@@ -8040,7 +7932,7 @@
           <p:cNvPr id="2" name="Retângulo de cantos arredondados 1">
             <a:extLst>
               <a:ext uri="{FF2B5EF4-FFF2-40B4-BE49-F238E27FC236}">
-                <a16:creationId xmlns:a16="http://schemas.microsoft.com/office/drawing/2014/main" xmlns="" id="{E3705912-64B6-42FF-8B64-09B0476D3B90}"/>
+                <a16:creationId xmlns:a16="http://schemas.microsoft.com/office/drawing/2014/main" id="{E3705912-64B6-42FF-8B64-09B0476D3B90}"/>
               </a:ext>
             </a:extLst>
           </p:cNvPr>
@@ -8096,18 +7988,6 @@
               <a:defRPr/>
             </a:pPr>
             <a:r>
-              <a:rPr lang="pt-BR" sz="2400" dirty="0" smtClean="0">
-                <a:effectLst>
-                  <a:outerShdw blurRad="38100" dist="38100" dir="2700000" algn="tl">
-                    <a:srgbClr val="000000">
-                      <a:alpha val="43137"/>
-                    </a:srgbClr>
-                  </a:outerShdw>
-                </a:effectLst>
-              </a:rPr>
-              <a:t>Visão </a:t>
-            </a:r>
-            <a:r>
               <a:rPr lang="pt-BR" sz="2400" dirty="0">
                 <a:effectLst>
                   <a:outerShdw blurRad="38100" dist="38100" dir="2700000" algn="tl">
@@ -8117,7 +7997,7 @@
                   </a:outerShdw>
                 </a:effectLst>
               </a:rPr>
-              <a:t>Geral e operação</a:t>
+              <a:t>Visão Geral e operação</a:t>
             </a:r>
           </a:p>
         </p:txBody>
@@ -8325,13 +8205,6 @@
   <p:clrMapOvr>
     <a:masterClrMapping/>
   </p:clrMapOvr>
-  <p:timing>
-    <p:tnLst>
-      <p:par>
-        <p:cTn id="1" dur="indefinite" restart="never" nodeType="tmRoot"/>
-      </p:par>
-    </p:tnLst>
-  </p:timing>
 </p:sld>
 </file>
 
@@ -8357,7 +8230,7 @@
           <p:cNvPr id="2" name="Retângulo de cantos arredondados 1">
             <a:extLst>
               <a:ext uri="{FF2B5EF4-FFF2-40B4-BE49-F238E27FC236}">
-                <a16:creationId xmlns:a16="http://schemas.microsoft.com/office/drawing/2014/main" xmlns="" id="{E3705912-64B6-42FF-8B64-09B0476D3B90}"/>
+                <a16:creationId xmlns:a16="http://schemas.microsoft.com/office/drawing/2014/main" id="{E3705912-64B6-42FF-8B64-09B0476D3B90}"/>
               </a:ext>
             </a:extLst>
           </p:cNvPr>
@@ -8413,18 +8286,6 @@
               <a:defRPr/>
             </a:pPr>
             <a:r>
-              <a:rPr lang="pt-BR" sz="2400" dirty="0" smtClean="0">
-                <a:effectLst>
-                  <a:outerShdw blurRad="38100" dist="38100" dir="2700000" algn="tl">
-                    <a:srgbClr val="000000">
-                      <a:alpha val="43137"/>
-                    </a:srgbClr>
-                  </a:outerShdw>
-                </a:effectLst>
-              </a:rPr>
-              <a:t>Visão </a:t>
-            </a:r>
-            <a:r>
               <a:rPr lang="pt-BR" sz="2400" dirty="0">
                 <a:effectLst>
                   <a:outerShdw blurRad="38100" dist="38100" dir="2700000" algn="tl">
@@ -8434,7 +8295,7 @@
                   </a:outerShdw>
                 </a:effectLst>
               </a:rPr>
-              <a:t>Geral e operação</a:t>
+              <a:t>Visão Geral e operação</a:t>
             </a:r>
           </a:p>
         </p:txBody>
@@ -8642,13 +8503,6 @@
   <p:clrMapOvr>
     <a:masterClrMapping/>
   </p:clrMapOvr>
-  <p:timing>
-    <p:tnLst>
-      <p:par>
-        <p:cTn id="1" dur="indefinite" restart="never" nodeType="tmRoot"/>
-      </p:par>
-    </p:tnLst>
-  </p:timing>
 </p:sld>
 </file>
 
@@ -8674,7 +8528,7 @@
           <p:cNvPr id="2" name="Retângulo de cantos arredondados 1">
             <a:extLst>
               <a:ext uri="{FF2B5EF4-FFF2-40B4-BE49-F238E27FC236}">
-                <a16:creationId xmlns:a16="http://schemas.microsoft.com/office/drawing/2014/main" xmlns="" id="{E3705912-64B6-42FF-8B64-09B0476D3B90}"/>
+                <a16:creationId xmlns:a16="http://schemas.microsoft.com/office/drawing/2014/main" id="{E3705912-64B6-42FF-8B64-09B0476D3B90}"/>
               </a:ext>
             </a:extLst>
           </p:cNvPr>
@@ -8730,18 +8584,6 @@
               <a:defRPr/>
             </a:pPr>
             <a:r>
-              <a:rPr lang="pt-BR" sz="2400" dirty="0" smtClean="0">
-                <a:effectLst>
-                  <a:outerShdw blurRad="38100" dist="38100" dir="2700000" algn="tl">
-                    <a:srgbClr val="000000">
-                      <a:alpha val="43137"/>
-                    </a:srgbClr>
-                  </a:outerShdw>
-                </a:effectLst>
-              </a:rPr>
-              <a:t>Visão </a:t>
-            </a:r>
-            <a:r>
               <a:rPr lang="pt-BR" sz="2400" dirty="0">
                 <a:effectLst>
                   <a:outerShdw blurRad="38100" dist="38100" dir="2700000" algn="tl">
@@ -8751,7 +8593,7 @@
                   </a:outerShdw>
                 </a:effectLst>
               </a:rPr>
-              <a:t>Geral e operação</a:t>
+              <a:t>Visão Geral e operação</a:t>
             </a:r>
           </a:p>
         </p:txBody>
@@ -8927,19 +8769,10 @@
           <a:p>
             <a:r>
               <a:rPr lang="pt-BR" sz="1400" dirty="0"/>
-              <a:t>No Confluence é possível acompanhar o responsável pela ultima alteração e todas as versões feitas para este </a:t>
-            </a:r>
-            <a:r>
-              <a:rPr lang="pt-BR" sz="1400" dirty="0" smtClean="0"/>
-              <a:t>material, seguir em real time quem está editando os arquivos.</a:t>
-            </a:r>
-            <a:endParaRPr lang="pt-BR" sz="1400" dirty="0"/>
-          </a:p>
-          <a:p>
-            <a:r>
-              <a:rPr lang="pt-BR" dirty="0"/>
-              <a:t/>
-            </a:r>
+              <a:t>No Confluence é possível acompanhar o responsável pela ultima alteração e todas as versões feitas para este material, seguir em real time quem está editando os arquivos.</a:t>
+            </a:r>
+          </a:p>
+          <a:p>
             <a:br>
               <a:rPr lang="pt-BR" dirty="0"/>
             </a:br>
@@ -8957,13 +8790,6 @@
   <p:clrMapOvr>
     <a:masterClrMapping/>
   </p:clrMapOvr>
-  <p:timing>
-    <p:tnLst>
-      <p:par>
-        <p:cTn id="1" dur="indefinite" restart="never" nodeType="tmRoot"/>
-      </p:par>
-    </p:tnLst>
-  </p:timing>
 </p:sld>
 </file>
 
@@ -8989,7 +8815,7 @@
           <p:cNvPr id="2" name="Retângulo de cantos arredondados 1">
             <a:extLst>
               <a:ext uri="{FF2B5EF4-FFF2-40B4-BE49-F238E27FC236}">
-                <a16:creationId xmlns:a16="http://schemas.microsoft.com/office/drawing/2014/main" xmlns="" id="{E3705912-64B6-42FF-8B64-09B0476D3B90}"/>
+                <a16:creationId xmlns:a16="http://schemas.microsoft.com/office/drawing/2014/main" id="{E3705912-64B6-42FF-8B64-09B0476D3B90}"/>
               </a:ext>
             </a:extLst>
           </p:cNvPr>
@@ -9064,7 +8890,7 @@
           <p:cNvPr id="3" name="CaixaDeTexto 2">
             <a:extLst>
               <a:ext uri="{FF2B5EF4-FFF2-40B4-BE49-F238E27FC236}">
-                <a16:creationId xmlns:a16="http://schemas.microsoft.com/office/drawing/2014/main" xmlns="" id="{DEA9BF6B-8848-4468-AF5F-084F4C88A65C}"/>
+                <a16:creationId xmlns:a16="http://schemas.microsoft.com/office/drawing/2014/main" id="{DEA9BF6B-8848-4468-AF5F-084F4C88A65C}"/>
               </a:ext>
             </a:extLst>
           </p:cNvPr>
@@ -9114,22 +8940,13 @@
               <a:buChar char="•"/>
             </a:pPr>
             <a:r>
-              <a:rPr lang="pt-BR" sz="1400" dirty="0" smtClean="0">
+              <a:rPr lang="pt-BR" sz="1400" dirty="0">
                 <a:solidFill>
                   <a:srgbClr val="000000"/>
                 </a:solidFill>
                 <a:cs typeface="Arial" panose="020B0604020202020204" pitchFamily="34" charset="0"/>
               </a:rPr>
-              <a:t>Centralizar </a:t>
-            </a:r>
-            <a:r>
-              <a:rPr lang="pt-BR" sz="1400" dirty="0">
-                <a:solidFill>
-                  <a:srgbClr val="000000"/>
-                </a:solidFill>
-                <a:cs typeface="Arial" panose="020B0604020202020204" pitchFamily="34" charset="0"/>
-              </a:rPr>
-              <a:t>documentos</a:t>
+              <a:t>Centralizar documentos</a:t>
             </a:r>
           </a:p>
           <a:p>
@@ -9145,13 +8962,8 @@
             </a:pPr>
             <a:r>
               <a:rPr lang="pt-BR" sz="1400" dirty="0"/>
-              <a:t>Organize suas </a:t>
-            </a:r>
-            <a:r>
-              <a:rPr lang="pt-BR" sz="1400" dirty="0" smtClean="0"/>
-              <a:t>informações</a:t>
-            </a:r>
-            <a:endParaRPr lang="pt-BR" sz="1400" dirty="0"/>
+              <a:t>Organize suas informações</a:t>
+            </a:r>
           </a:p>
           <a:p>
             <a:pPr marL="285750" indent="-285750">
@@ -9171,16 +8983,7 @@
                 </a:solidFill>
                 <a:cs typeface="Arial" panose="020B0604020202020204" pitchFamily="34" charset="0"/>
               </a:rPr>
-              <a:t>Indexar </a:t>
-            </a:r>
-            <a:r>
-              <a:rPr lang="pt-BR" sz="1400" dirty="0" smtClean="0">
-                <a:solidFill>
-                  <a:srgbClr val="000000"/>
-                </a:solidFill>
-                <a:cs typeface="Arial" panose="020B0604020202020204" pitchFamily="34" charset="0"/>
-              </a:rPr>
-              <a:t>conteúdo</a:t>
+              <a:t>Indexar conteúdo</a:t>
             </a:r>
           </a:p>
           <a:p>
@@ -9195,7 +8998,7 @@
               <a:buChar char="•"/>
             </a:pPr>
             <a:r>
-              <a:rPr lang="pt-BR" sz="1400" dirty="0" smtClean="0">
+              <a:rPr lang="pt-BR" sz="1400" dirty="0">
                 <a:solidFill>
                   <a:srgbClr val="000000"/>
                 </a:solidFill>
@@ -9216,7 +9019,7 @@
               <a:buChar char="•"/>
             </a:pPr>
             <a:r>
-              <a:rPr lang="pt-BR" sz="1400" dirty="0" smtClean="0">
+              <a:rPr lang="pt-BR" sz="1400" dirty="0">
                 <a:solidFill>
                   <a:srgbClr val="000000"/>
                 </a:solidFill>
@@ -9238,7 +9041,7 @@
               </a:spcAft>
             </a:pPr>
             <a:r>
-              <a:rPr lang="pt-BR" dirty="0" smtClean="0">
+              <a:rPr lang="pt-BR" dirty="0">
                 <a:solidFill>
                   <a:srgbClr val="000000"/>
                 </a:solidFill>
@@ -9368,7 +9171,7 @@
           <p:cNvPr id="6" name="Imagem 5">
             <a:extLst>
               <a:ext uri="{FF2B5EF4-FFF2-40B4-BE49-F238E27FC236}">
-                <a16:creationId xmlns:a16="http://schemas.microsoft.com/office/drawing/2014/main" xmlns="" id="{AC9B1219-9CE8-471D-AE43-A034E883778D}"/>
+                <a16:creationId xmlns:a16="http://schemas.microsoft.com/office/drawing/2014/main" id="{AC9B1219-9CE8-471D-AE43-A034E883778D}"/>
               </a:ext>
             </a:extLst>
           </p:cNvPr>
@@ -9488,13 +9291,6 @@
   <p:clrMapOvr>
     <a:masterClrMapping/>
   </p:clrMapOvr>
-  <p:timing>
-    <p:tnLst>
-      <p:par>
-        <p:cTn id="1" dur="indefinite" restart="never" nodeType="tmRoot"/>
-      </p:par>
-    </p:tnLst>
-  </p:timing>
 </p:sld>
 </file>
 
@@ -9520,7 +9316,7 @@
           <p:cNvPr id="2" name="Retângulo de cantos arredondados 1">
             <a:extLst>
               <a:ext uri="{FF2B5EF4-FFF2-40B4-BE49-F238E27FC236}">
-                <a16:creationId xmlns:a16="http://schemas.microsoft.com/office/drawing/2014/main" xmlns="" id="{E3705912-64B6-42FF-8B64-09B0476D3B90}"/>
+                <a16:creationId xmlns:a16="http://schemas.microsoft.com/office/drawing/2014/main" id="{E3705912-64B6-42FF-8B64-09B0476D3B90}"/>
               </a:ext>
             </a:extLst>
           </p:cNvPr>
@@ -9595,7 +9391,7 @@
           <p:cNvPr id="3" name="Retângulo 2">
             <a:extLst>
               <a:ext uri="{FF2B5EF4-FFF2-40B4-BE49-F238E27FC236}">
-                <a16:creationId xmlns:a16="http://schemas.microsoft.com/office/drawing/2014/main" xmlns="" id="{1374C281-2BD3-480F-BA1F-695B7117F6C4}"/>
+                <a16:creationId xmlns:a16="http://schemas.microsoft.com/office/drawing/2014/main" id="{1374C281-2BD3-480F-BA1F-695B7117F6C4}"/>
               </a:ext>
             </a:extLst>
           </p:cNvPr>
@@ -9632,7 +9428,7 @@
           <p:cNvPr id="4" name="Retângulo 3">
             <a:extLst>
               <a:ext uri="{FF2B5EF4-FFF2-40B4-BE49-F238E27FC236}">
-                <a16:creationId xmlns:a16="http://schemas.microsoft.com/office/drawing/2014/main" xmlns="" id="{B688A953-40F3-4DF2-B193-4199E5F0FF93}"/>
+                <a16:creationId xmlns:a16="http://schemas.microsoft.com/office/drawing/2014/main" id="{B688A953-40F3-4DF2-B193-4199E5F0FF93}"/>
               </a:ext>
             </a:extLst>
           </p:cNvPr>
@@ -9642,7 +9438,7 @@
         <p:spPr>
           <a:xfrm>
             <a:off x="1561147" y="986751"/>
-            <a:ext cx="6865768" cy="369332"/>
+            <a:ext cx="6865768" cy="1200329"/>
           </a:xfrm>
           <a:prstGeom prst="rect">
             <a:avLst/>
@@ -9655,19 +9451,27 @@
           <a:lstStyle/>
           <a:p>
             <a:r>
-              <a:rPr lang="pt-BR" dirty="0" smtClean="0"/>
+              <a:rPr lang="pt-BR" dirty="0"/>
               <a:t>Não é um software livre, o Confluence é uma ferramenta paga</a:t>
             </a:r>
+          </a:p>
+          <a:p>
             <a:endParaRPr lang="pt-BR" dirty="0"/>
+          </a:p>
+          <a:p>
+            <a:r>
+              <a:rPr lang="pt-BR" dirty="0"/>
+              <a:t>Se o usuário A baixar o arquivo e o usuário B também baixar, quando fizer o upload será gerado 2 versões distintas.</a:t>
+            </a:r>
           </a:p>
         </p:txBody>
       </p:sp>
       <p:pic>
         <p:nvPicPr>
-          <p:cNvPr id="8" name="Imagem 7">
+          <p:cNvPr id="5" name="Imagem 4">
             <a:extLst>
               <a:ext uri="{FF2B5EF4-FFF2-40B4-BE49-F238E27FC236}">
-                <a16:creationId xmlns:a16="http://schemas.microsoft.com/office/drawing/2014/main" xmlns="" id="{7EF80F05-9CD5-4B1B-BEA6-614624149664}"/>
+                <a16:creationId xmlns:a16="http://schemas.microsoft.com/office/drawing/2014/main" id="{19735682-2BEA-4EE3-AD12-7EB064590C30}"/>
               </a:ext>
             </a:extLst>
           </p:cNvPr>
@@ -9684,8 +9488,38 @@
         </p:blipFill>
         <p:spPr>
           <a:xfrm>
-            <a:off x="1478607" y="1540749"/>
-            <a:ext cx="6150147" cy="2001431"/>
+            <a:off x="6255215" y="2481681"/>
+            <a:ext cx="2171700" cy="3781425"/>
+          </a:xfrm>
+          <a:prstGeom prst="rect">
+            <a:avLst/>
+          </a:prstGeom>
+        </p:spPr>
+      </p:pic>
+      <p:pic>
+        <p:nvPicPr>
+          <p:cNvPr id="6" name="Imagem 5">
+            <a:extLst>
+              <a:ext uri="{FF2B5EF4-FFF2-40B4-BE49-F238E27FC236}">
+                <a16:creationId xmlns:a16="http://schemas.microsoft.com/office/drawing/2014/main" id="{664A0CB7-6F93-444A-B498-4BE9ED49E2CA}"/>
+              </a:ext>
+            </a:extLst>
+          </p:cNvPr>
+          <p:cNvPicPr>
+            <a:picLocks noChangeAspect="1"/>
+          </p:cNvPicPr>
+          <p:nvPr/>
+        </p:nvPicPr>
+        <p:blipFill>
+          <a:blip r:embed="rId4"/>
+          <a:stretch>
+            <a:fillRect/>
+          </a:stretch>
+        </p:blipFill>
+        <p:spPr>
+          <a:xfrm>
+            <a:off x="867068" y="2923083"/>
+            <a:ext cx="4933950" cy="3495675"/>
           </a:xfrm>
           <a:prstGeom prst="rect">
             <a:avLst/>
@@ -9702,13 +9536,6 @@
   <p:clrMapOvr>
     <a:masterClrMapping/>
   </p:clrMapOvr>
-  <p:timing>
-    <p:tnLst>
-      <p:par>
-        <p:cTn id="1" dur="indefinite" restart="never" nodeType="tmRoot"/>
-      </p:par>
-    </p:tnLst>
-  </p:timing>
 </p:sld>
 </file>
 
@@ -9734,7 +9561,7 @@
           <p:cNvPr id="2" name="Retângulo de cantos arredondados 1">
             <a:extLst>
               <a:ext uri="{FF2B5EF4-FFF2-40B4-BE49-F238E27FC236}">
-                <a16:creationId xmlns:a16="http://schemas.microsoft.com/office/drawing/2014/main" xmlns="" id="{E3705912-64B6-42FF-8B64-09B0476D3B90}"/>
+                <a16:creationId xmlns:a16="http://schemas.microsoft.com/office/drawing/2014/main" id="{E3705912-64B6-42FF-8B64-09B0476D3B90}"/>
               </a:ext>
             </a:extLst>
           </p:cNvPr>
@@ -9806,7 +9633,7 @@
           <p:cNvPr id="7" name="Retângulo 6">
             <a:extLst>
               <a:ext uri="{FF2B5EF4-FFF2-40B4-BE49-F238E27FC236}">
-                <a16:creationId xmlns:a16="http://schemas.microsoft.com/office/drawing/2014/main" xmlns="" id="{C23A7AFE-45EA-408A-A23D-38D654F64C62}"/>
+                <a16:creationId xmlns:a16="http://schemas.microsoft.com/office/drawing/2014/main" id="{C23A7AFE-45EA-408A-A23D-38D654F64C62}"/>
               </a:ext>
             </a:extLst>
           </p:cNvPr>
@@ -9830,12 +9657,8 @@
           <a:p>
             <a:pPr algn="ctr"/>
             <a:r>
-              <a:rPr lang="pt-BR" sz="1400" dirty="0"/>
-              <a:t>Vale a pena aumenta produtividade do desenvolvimentos? Porque</a:t>
-            </a:r>
-            <a:r>
-              <a:rPr lang="pt-BR" sz="1400" dirty="0" smtClean="0"/>
-              <a:t>?</a:t>
+              <a:rPr lang="pt-BR" sz="1400" b="1" dirty="0"/>
+              <a:t>Vale a pena aumenta produtividade do desenvolvimentos? Porque?</a:t>
             </a:r>
           </a:p>
           <a:p>
@@ -9845,7 +9668,7 @@
           <a:p>
             <a:pPr algn="ctr"/>
             <a:r>
-              <a:rPr lang="pt-BR" sz="1400" dirty="0" smtClean="0"/>
+              <a:rPr lang="pt-BR" sz="1400" dirty="0"/>
               <a:t>Para empresas que desenvolvem diversos projetos simultaneamente e necessita de alta disponibilidade no momento de realizar a documentação dos projetos o Confluence pode ser uma boa aposta, alinhando o fácil manuseio a ferramenta com ambiente agradável usuários menos familiarizados com tecnologia conseguem utilizar de forma satisfatória a plataforma, o formato de visualização de documentos e a fácil visualização de por diversas áreas de forma quase que instantânea.</a:t>
             </a:r>
           </a:p>
@@ -9856,10 +9679,9 @@
           <a:p>
             <a:pPr algn="ctr"/>
             <a:r>
-              <a:rPr lang="pt-BR" sz="1400" dirty="0" smtClean="0"/>
+              <a:rPr lang="pt-BR" sz="1400" dirty="0"/>
               <a:t>A comunicação entre as áreas sofre uma melhora considerável.   </a:t>
             </a:r>
-            <a:endParaRPr lang="pt-BR" sz="1400" dirty="0"/>
           </a:p>
         </p:txBody>
       </p:sp>
@@ -9903,13 +9725,6 @@
   <p:clrMapOvr>
     <a:masterClrMapping/>
   </p:clrMapOvr>
-  <p:timing>
-    <p:tnLst>
-      <p:par>
-        <p:cTn id="1" dur="indefinite" restart="never" nodeType="tmRoot"/>
-      </p:par>
-    </p:tnLst>
-  </p:timing>
 </p:sld>
 </file>
 
